--- a/Notes Sharing Web Application using Django Framework - Buvanavelan(4019,JCTCET).pptx
+++ b/Notes Sharing Web Application using Django Framework - Buvanavelan(4019,JCTCET).pptx
@@ -288,7 +288,7 @@
       </p15:sldGuideLst>
     </p:ext>
     <p:ext uri="http://customooxmlschemas.google.com/">
-      <go:slidesCustomData xmlns:mc="http://schemas.openxmlformats.org/markup-compatibility/2006" xmlns:mv="urn:schemas-microsoft-com:mac:vml" xmlns:c="http://schemas.openxmlformats.org/drawingml/2006/chart" xmlns:dgm="http://schemas.openxmlformats.org/drawingml/2006/diagram" xmlns:o="urn:schemas-microsoft-com:office:office" xmlns:v="urn:schemas-microsoft-com:vml" xmlns:pvml="urn:schemas-microsoft-com:office:powerpoint" xmlns:com="http://schemas.openxmlformats.org/drawingml/2006/compatibility" xmlns:p14="http://schemas.microsoft.com/office/powerpoint/2010/main" xmlns:p15="http://schemas.microsoft.com/office/powerpoint/2012/main" xmlns:go="http://customooxmlschemas.google.com/" xmlns="" r:id="rId220" roundtripDataSignature="AMtx7miWNY2LB4ETJwrL8F0N+EK9hEhqUQ=="/>
+      <go:slidesCustomData xmlns="" xmlns:go="http://customooxmlschemas.google.com/" xmlns:p15="http://schemas.microsoft.com/office/powerpoint/2012/main" xmlns:p14="http://schemas.microsoft.com/office/powerpoint/2010/main" xmlns:com="http://schemas.openxmlformats.org/drawingml/2006/compatibility" xmlns:pvml="urn:schemas-microsoft-com:office:powerpoint" xmlns:v="urn:schemas-microsoft-com:vml" xmlns:o="urn:schemas-microsoft-com:office:office" xmlns:dgm="http://schemas.openxmlformats.org/drawingml/2006/diagram" xmlns:c="http://schemas.openxmlformats.org/drawingml/2006/chart" xmlns:mv="urn:schemas-microsoft-com:mac:vml" xmlns:mc="http://schemas.openxmlformats.org/markup-compatibility/2006" r:id="rId220" roundtripDataSignature="AMtx7miWNY2LB4ETJwrL8F0N+EK9hEhqUQ=="/>
     </p:ext>
   </p:extLst>
 </p:presentation>
@@ -14728,7 +14728,7 @@
         </p:nvSpPr>
         <p:spPr>
           <a:xfrm>
-            <a:off x="1095095" y="3956068"/>
+            <a:off x="1003625" y="3956068"/>
             <a:ext cx="2095554" cy="456535"/>
           </a:xfrm>
           <a:prstGeom prst="rect">
@@ -14766,8 +14766,25 @@
                 <a:cs typeface="Arial"/>
                 <a:sym typeface="Arial"/>
               </a:rPr>
-              <a:t>Student Name :Buvanavelan</a:t>
+              <a:t>Student Name :</a:t>
             </a:r>
+            <a:r>
+              <a:rPr lang="en-US" sz="1100" dirty="0">
+                <a:solidFill>
+                  <a:schemeClr val="tx1"/>
+                </a:solidFill>
+              </a:rPr>
+              <a:t>Kaviya S</a:t>
+            </a:r>
+            <a:endParaRPr lang="en-US" sz="1100" b="0" i="0" u="none" strike="noStrike" cap="none" dirty="0">
+              <a:solidFill>
+                <a:schemeClr val="tx1"/>
+              </a:solidFill>
+              <a:latin typeface="Arial"/>
+              <a:ea typeface="Arial"/>
+              <a:cs typeface="Arial"/>
+              <a:sym typeface="Arial"/>
+            </a:endParaRPr>
           </a:p>
           <a:p>
             <a:pPr marR="0" lvl="0" rtl="0">
@@ -14794,7 +14811,7 @@
                 <a:cs typeface="Arial"/>
                 <a:sym typeface="Arial"/>
               </a:rPr>
-              <a:t>Student ID :720921104019</a:t>
+              <a:t>Student ID :720921104046</a:t>
             </a:r>
           </a:p>
         </p:txBody>
@@ -21905,20 +21922,20 @@
 </file>
 
 <file path=customXml/item1.xml><?xml version="1.0" encoding="utf-8"?>
+<p:properties xmlns:p="http://schemas.microsoft.com/office/2006/metadata/properties" xmlns:xsi="http://www.w3.org/2001/XMLSchema-instance" xmlns:pc="http://schemas.microsoft.com/office/infopath/2007/PartnerControls">
+  <documentManagement>
+    <_activity xmlns="9162bd5b-4ed9-4da3-b376-05204580ba3f" xsi:nil="true"/>
+  </documentManagement>
+</p:properties>
+</file>
+
+<file path=customXml/item2.xml><?xml version="1.0" encoding="utf-8"?>
 <?mso-contentType ?>
 <FormTemplates xmlns="http://schemas.microsoft.com/sharepoint/v3/contenttype/forms">
   <Display>DocumentLibraryForm</Display>
   <Edit>DocumentLibraryForm</Edit>
   <New>DocumentLibraryForm</New>
 </FormTemplates>
-</file>
-
-<file path=customXml/item2.xml><?xml version="1.0" encoding="utf-8"?>
-<p:properties xmlns:p="http://schemas.microsoft.com/office/2006/metadata/properties" xmlns:xsi="http://www.w3.org/2001/XMLSchema-instance" xmlns:pc="http://schemas.microsoft.com/office/infopath/2007/PartnerControls">
-  <documentManagement>
-    <_activity xmlns="9162bd5b-4ed9-4da3-b376-05204580ba3f" xsi:nil="true"/>
-  </documentManagement>
-</p:properties>
 </file>
 
 <file path=customXml/item3.xml><?xml version="1.0" encoding="utf-8"?>
@@ -22157,14 +22174,6 @@
 </file>
 
 <file path=customXml/itemProps1.xml><?xml version="1.0" encoding="utf-8"?>
-<ds:datastoreItem xmlns:ds="http://schemas.openxmlformats.org/officeDocument/2006/customXml" ds:itemID="{3706AB80-2608-47D7-8AC8-FA6BC8A9B27C}">
-  <ds:schemaRefs>
-    <ds:schemaRef ds:uri="http://schemas.microsoft.com/sharepoint/v3/contenttype/forms"/>
-  </ds:schemaRefs>
-</ds:datastoreItem>
-</file>
-
-<file path=customXml/itemProps2.xml><?xml version="1.0" encoding="utf-8"?>
 <ds:datastoreItem xmlns:ds="http://schemas.openxmlformats.org/officeDocument/2006/customXml" ds:itemID="{A6559A34-456E-49A1-8157-9E3D18BFAD36}">
   <ds:schemaRefs>
     <ds:schemaRef ds:uri="9162bd5b-4ed9-4da3-b376-05204580ba3f"/>
@@ -22177,6 +22186,14 @@
     <ds:schemaRef ds:uri="http://schemas.microsoft.com/office/infopath/2007/PartnerControls"/>
     <ds:schemaRef ds:uri="http://schemas.openxmlformats.org/package/2006/metadata/core-properties"/>
     <ds:schemaRef ds:uri="http://www.w3.org/XML/1998/namespace"/>
+  </ds:schemaRefs>
+</ds:datastoreItem>
+</file>
+
+<file path=customXml/itemProps2.xml><?xml version="1.0" encoding="utf-8"?>
+<ds:datastoreItem xmlns:ds="http://schemas.openxmlformats.org/officeDocument/2006/customXml" ds:itemID="{3706AB80-2608-47D7-8AC8-FA6BC8A9B27C}">
+  <ds:schemaRefs>
+    <ds:schemaRef ds:uri="http://schemas.microsoft.com/sharepoint/v3/contenttype/forms"/>
   </ds:schemaRefs>
 </ds:datastoreItem>
 </file>
